--- a/Figures/pdaf-flowchart.pptx
+++ b/Figures/pdaf-flowchart.pptx
@@ -243,7 +243,7 @@
           <a:p>
             <a:fld id="{28498E41-FF62-4D38-9266-32847B9BE567}" type="datetimeFigureOut">
               <a:rPr lang="nb-NO" smtClean="0"/>
-              <a:t>13.12.2016</a:t>
+              <a:t>16.12.2016</a:t>
             </a:fld>
             <a:endParaRPr lang="nb-NO"/>
           </a:p>
@@ -413,7 +413,7 @@
           <a:p>
             <a:fld id="{28498E41-FF62-4D38-9266-32847B9BE567}" type="datetimeFigureOut">
               <a:rPr lang="nb-NO" smtClean="0"/>
-              <a:t>13.12.2016</a:t>
+              <a:t>16.12.2016</a:t>
             </a:fld>
             <a:endParaRPr lang="nb-NO"/>
           </a:p>
@@ -593,7 +593,7 @@
           <a:p>
             <a:fld id="{28498E41-FF62-4D38-9266-32847B9BE567}" type="datetimeFigureOut">
               <a:rPr lang="nb-NO" smtClean="0"/>
-              <a:t>13.12.2016</a:t>
+              <a:t>16.12.2016</a:t>
             </a:fld>
             <a:endParaRPr lang="nb-NO"/>
           </a:p>
@@ -763,7 +763,7 @@
           <a:p>
             <a:fld id="{28498E41-FF62-4D38-9266-32847B9BE567}" type="datetimeFigureOut">
               <a:rPr lang="nb-NO" smtClean="0"/>
-              <a:t>13.12.2016</a:t>
+              <a:t>16.12.2016</a:t>
             </a:fld>
             <a:endParaRPr lang="nb-NO"/>
           </a:p>
@@ -1007,7 +1007,7 @@
           <a:p>
             <a:fld id="{28498E41-FF62-4D38-9266-32847B9BE567}" type="datetimeFigureOut">
               <a:rPr lang="nb-NO" smtClean="0"/>
-              <a:t>13.12.2016</a:t>
+              <a:t>16.12.2016</a:t>
             </a:fld>
             <a:endParaRPr lang="nb-NO"/>
           </a:p>
@@ -1239,7 +1239,7 @@
           <a:p>
             <a:fld id="{28498E41-FF62-4D38-9266-32847B9BE567}" type="datetimeFigureOut">
               <a:rPr lang="nb-NO" smtClean="0"/>
-              <a:t>13.12.2016</a:t>
+              <a:t>16.12.2016</a:t>
             </a:fld>
             <a:endParaRPr lang="nb-NO"/>
           </a:p>
@@ -1606,7 +1606,7 @@
           <a:p>
             <a:fld id="{28498E41-FF62-4D38-9266-32847B9BE567}" type="datetimeFigureOut">
               <a:rPr lang="nb-NO" smtClean="0"/>
-              <a:t>13.12.2016</a:t>
+              <a:t>16.12.2016</a:t>
             </a:fld>
             <a:endParaRPr lang="nb-NO"/>
           </a:p>
@@ -1724,7 +1724,7 @@
           <a:p>
             <a:fld id="{28498E41-FF62-4D38-9266-32847B9BE567}" type="datetimeFigureOut">
               <a:rPr lang="nb-NO" smtClean="0"/>
-              <a:t>13.12.2016</a:t>
+              <a:t>16.12.2016</a:t>
             </a:fld>
             <a:endParaRPr lang="nb-NO"/>
           </a:p>
@@ -1819,7 +1819,7 @@
           <a:p>
             <a:fld id="{28498E41-FF62-4D38-9266-32847B9BE567}" type="datetimeFigureOut">
               <a:rPr lang="nb-NO" smtClean="0"/>
-              <a:t>13.12.2016</a:t>
+              <a:t>16.12.2016</a:t>
             </a:fld>
             <a:endParaRPr lang="nb-NO"/>
           </a:p>
@@ -2096,7 +2096,7 @@
           <a:p>
             <a:fld id="{28498E41-FF62-4D38-9266-32847B9BE567}" type="datetimeFigureOut">
               <a:rPr lang="nb-NO" smtClean="0"/>
-              <a:t>13.12.2016</a:t>
+              <a:t>16.12.2016</a:t>
             </a:fld>
             <a:endParaRPr lang="nb-NO"/>
           </a:p>
@@ -2353,7 +2353,7 @@
           <a:p>
             <a:fld id="{28498E41-FF62-4D38-9266-32847B9BE567}" type="datetimeFigureOut">
               <a:rPr lang="nb-NO" smtClean="0"/>
-              <a:t>13.12.2016</a:t>
+              <a:t>16.12.2016</a:t>
             </a:fld>
             <a:endParaRPr lang="nb-NO"/>
           </a:p>
@@ -2566,7 +2566,7 @@
           <a:p>
             <a:fld id="{28498E41-FF62-4D38-9266-32847B9BE567}" type="datetimeFigureOut">
               <a:rPr lang="nb-NO" smtClean="0"/>
-              <a:t>13.12.2016</a:t>
+              <a:t>16.12.2016</a:t>
             </a:fld>
             <a:endParaRPr lang="nb-NO"/>
           </a:p>
@@ -2971,8 +2971,8 @@
           <a:chExt cx="0" cy="0"/>
         </a:xfrm>
       </p:grpSpPr>
-      <mc:AlternateContent xmlns:mc="http://schemas.openxmlformats.org/markup-compatibility/2006" xmlns:a14="http://schemas.microsoft.com/office/drawing/2010/main">
-        <mc:Choice Requires="a14">
+      <mc:AlternateContent xmlns:mc="http://schemas.openxmlformats.org/markup-compatibility/2006">
+        <mc:Choice xmlns:a14="http://schemas.microsoft.com/office/drawing/2010/main" Requires="a14">
           <p:sp>
             <p:nvSpPr>
               <p:cNvPr id="4" name="Rounded Rectangle 3"/>
@@ -3016,7 +3016,7 @@
               <a:p>
                 <a:pPr algn="ctr"/>
                 <a:r>
-                  <a:rPr lang="en-US" sz="1500" dirty="0">
+                  <a:rPr lang="en-US" sz="1500" dirty="0" smtClean="0">
                     <a:solidFill>
                       <a:schemeClr val="tx1"/>
                     </a:solidFill>
@@ -3032,75 +3032,82 @@
                       <m:jc m:val="centerGroup"/>
                     </m:oMathParaPr>
                     <m:oMath xmlns:m="http://schemas.openxmlformats.org/officeDocument/2006/math">
-                      <m:acc>
-                        <m:accPr>
-                          <m:chr m:val="̂"/>
+                      <m:sSub>
+                        <m:sSubPr>
                           <m:ctrlPr>
-                            <a:rPr lang="nb-NO" sz="1500" i="1">
+                            <a:rPr lang="nb-NO" sz="1500" b="0" i="1" smtClean="0">
                               <a:solidFill>
                                 <a:schemeClr val="tx1"/>
                               </a:solidFill>
                               <a:latin typeface="Cambria Math" panose="02040503050406030204" pitchFamily="18" charset="0"/>
                             </a:rPr>
                           </m:ctrlPr>
-                        </m:accPr>
+                        </m:sSubPr>
                         <m:e>
+                          <m:acc>
+                            <m:accPr>
+                              <m:chr m:val="̂"/>
+                              <m:ctrlPr>
+                                <a:rPr lang="nb-NO" sz="1500" i="1" smtClean="0">
+                                  <a:solidFill>
+                                    <a:schemeClr val="tx1"/>
+                                  </a:solidFill>
+                                  <a:latin typeface="Cambria Math" panose="02040503050406030204" pitchFamily="18" charset="0"/>
+                                </a:rPr>
+                              </m:ctrlPr>
+                            </m:accPr>
+                            <m:e>
+                              <m:r>
+                                <a:rPr lang="nb-NO" sz="1500" i="1" smtClean="0">
+                                  <a:solidFill>
+                                    <a:schemeClr val="tx1"/>
+                                  </a:solidFill>
+                                  <a:latin typeface="Cambria Math" panose="02040503050406030204" pitchFamily="18" charset="0"/>
+                                </a:rPr>
+                                <m:t>𝑥</m:t>
+                              </m:r>
+                            </m:e>
+                          </m:acc>
+                        </m:e>
+                        <m:sub>
                           <m:r>
-                            <a:rPr lang="nb-NO" sz="1500" i="1">
+                            <a:rPr lang="nb-NO" sz="1500" i="1" dirty="0">
                               <a:solidFill>
                                 <a:schemeClr val="tx1"/>
                               </a:solidFill>
                               <a:latin typeface="Cambria Math" panose="02040503050406030204" pitchFamily="18" charset="0"/>
                             </a:rPr>
-                            <m:t>𝑥</m:t>
+                            <m:t>𝑘</m:t>
                           </m:r>
-                        </m:e>
-                      </m:acc>
-                      <m:r>
-                        <a:rPr lang="nb-NO" sz="1500" i="1" dirty="0">
-                          <a:solidFill>
-                            <a:schemeClr val="tx1"/>
-                          </a:solidFill>
-                          <a:latin typeface="Cambria Math" panose="02040503050406030204" pitchFamily="18" charset="0"/>
-                        </a:rPr>
-                        <m:t>(</m:t>
-                      </m:r>
-                      <m:r>
-                        <a:rPr lang="nb-NO" sz="1500" i="1" dirty="0">
-                          <a:solidFill>
-                            <a:schemeClr val="tx1"/>
-                          </a:solidFill>
-                          <a:latin typeface="Cambria Math" panose="02040503050406030204" pitchFamily="18" charset="0"/>
-                        </a:rPr>
-                        <m:t>𝑘</m:t>
-                      </m:r>
-                      <m:r>
-                        <a:rPr lang="nb-NO" sz="1500" i="1" dirty="0">
-                          <a:solidFill>
-                            <a:schemeClr val="tx1"/>
-                          </a:solidFill>
-                          <a:latin typeface="Cambria Math" panose="02040503050406030204" pitchFamily="18" charset="0"/>
-                        </a:rPr>
-                        <m:t>−1|</m:t>
-                      </m:r>
-                      <m:r>
-                        <a:rPr lang="nb-NO" sz="1500" i="1" dirty="0">
-                          <a:solidFill>
-                            <a:schemeClr val="tx1"/>
-                          </a:solidFill>
-                          <a:latin typeface="Cambria Math" panose="02040503050406030204" pitchFamily="18" charset="0"/>
-                        </a:rPr>
-                        <m:t>𝑘</m:t>
-                      </m:r>
-                      <m:r>
-                        <a:rPr lang="nb-NO" sz="1500" i="1" dirty="0">
-                          <a:solidFill>
-                            <a:schemeClr val="tx1"/>
-                          </a:solidFill>
-                          <a:latin typeface="Cambria Math" panose="02040503050406030204" pitchFamily="18" charset="0"/>
-                        </a:rPr>
-                        <m:t>−1)</m:t>
-                      </m:r>
+                          <m:r>
+                            <a:rPr lang="nb-NO" sz="1500" i="1" dirty="0">
+                              <a:solidFill>
+                                <a:schemeClr val="tx1"/>
+                              </a:solidFill>
+                              <a:latin typeface="Cambria Math" panose="02040503050406030204" pitchFamily="18" charset="0"/>
+                            </a:rPr>
+                            <m:t>−1|</m:t>
+                          </m:r>
+                          <m:r>
+                            <a:rPr lang="nb-NO" sz="1500" i="1" dirty="0">
+                              <a:solidFill>
+                                <a:schemeClr val="tx1"/>
+                              </a:solidFill>
+                              <a:latin typeface="Cambria Math" panose="02040503050406030204" pitchFamily="18" charset="0"/>
+                            </a:rPr>
+                            <m:t>𝑘</m:t>
+                          </m:r>
+                          <m:r>
+                            <a:rPr lang="nb-NO" sz="1500" i="1" dirty="0">
+                              <a:solidFill>
+                                <a:schemeClr val="tx1"/>
+                              </a:solidFill>
+                              <a:latin typeface="Cambria Math" panose="02040503050406030204" pitchFamily="18" charset="0"/>
+                            </a:rPr>
+                            <m:t>−1</m:t>
+                          </m:r>
+                        </m:sub>
+                      </m:sSub>
                     </m:oMath>
                   </m:oMathPara>
                 </a14:m>
@@ -3113,7 +3120,7 @@
             </p:txBody>
           </p:sp>
         </mc:Choice>
-        <mc:Fallback xmlns="">
+        <mc:Fallback>
           <p:sp>
             <p:nvSpPr>
               <p:cNvPr id="4" name="Rounded Rectangle 3"/>
@@ -3157,8 +3164,8 @@
           </p:sp>
         </mc:Fallback>
       </mc:AlternateContent>
-      <mc:AlternateContent xmlns:mc="http://schemas.openxmlformats.org/markup-compatibility/2006" xmlns:a14="http://schemas.microsoft.com/office/drawing/2010/main">
-        <mc:Choice Requires="a14">
+      <mc:AlternateContent xmlns:mc="http://schemas.openxmlformats.org/markup-compatibility/2006">
+        <mc:Choice xmlns:a14="http://schemas.microsoft.com/office/drawing/2010/main" Requires="a14">
           <p:sp>
             <p:nvSpPr>
               <p:cNvPr id="8" name="Rounded Rectangle 7"/>
@@ -3202,7 +3209,7 @@
               <a:p>
                 <a:pPr algn="ctr"/>
                 <a:r>
-                  <a:rPr lang="en-US" sz="1500" dirty="0">
+                  <a:rPr lang="en-US" sz="1500" dirty="0" smtClean="0">
                     <a:solidFill>
                       <a:schemeClr val="tx1"/>
                     </a:solidFill>
@@ -3218,75 +3225,82 @@
                       <m:jc m:val="centerGroup"/>
                     </m:oMathParaPr>
                     <m:oMath xmlns:m="http://schemas.openxmlformats.org/officeDocument/2006/math">
-                      <m:acc>
-                        <m:accPr>
-                          <m:chr m:val="̂"/>
+                      <m:sSub>
+                        <m:sSubPr>
                           <m:ctrlPr>
-                            <a:rPr lang="nb-NO" sz="1500" i="1">
+                            <a:rPr lang="nb-NO" sz="1500" b="0" i="1" smtClean="0">
                               <a:solidFill>
                                 <a:schemeClr val="tx1"/>
                               </a:solidFill>
                               <a:latin typeface="Cambria Math" panose="02040503050406030204" pitchFamily="18" charset="0"/>
                             </a:rPr>
                           </m:ctrlPr>
-                        </m:accPr>
+                        </m:sSubPr>
                         <m:e>
+                          <m:acc>
+                            <m:accPr>
+                              <m:chr m:val="̂"/>
+                              <m:ctrlPr>
+                                <a:rPr lang="nb-NO" sz="1500" i="1">
+                                  <a:solidFill>
+                                    <a:schemeClr val="tx1"/>
+                                  </a:solidFill>
+                                  <a:latin typeface="Cambria Math" panose="02040503050406030204" pitchFamily="18" charset="0"/>
+                                </a:rPr>
+                              </m:ctrlPr>
+                            </m:accPr>
+                            <m:e>
+                              <m:r>
+                                <a:rPr lang="nb-NO" sz="1500" i="1">
+                                  <a:solidFill>
+                                    <a:schemeClr val="tx1"/>
+                                  </a:solidFill>
+                                  <a:latin typeface="Cambria Math" panose="02040503050406030204" pitchFamily="18" charset="0"/>
+                                </a:rPr>
+                                <m:t>𝑧</m:t>
+                              </m:r>
+                            </m:e>
+                          </m:acc>
+                        </m:e>
+                        <m:sub>
                           <m:r>
-                            <a:rPr lang="nb-NO" sz="1500" i="1">
+                            <a:rPr lang="nb-NO" sz="1500" i="1" dirty="0">
                               <a:solidFill>
                                 <a:schemeClr val="tx1"/>
                               </a:solidFill>
                               <a:latin typeface="Cambria Math" panose="02040503050406030204" pitchFamily="18" charset="0"/>
                             </a:rPr>
-                            <m:t>𝑧</m:t>
+                            <m:t>𝑘</m:t>
                           </m:r>
-                        </m:e>
-                      </m:acc>
-                      <m:r>
-                        <a:rPr lang="nb-NO" sz="1500" i="1" dirty="0">
-                          <a:solidFill>
-                            <a:schemeClr val="tx1"/>
-                          </a:solidFill>
-                          <a:latin typeface="Cambria Math" panose="02040503050406030204" pitchFamily="18" charset="0"/>
-                        </a:rPr>
-                        <m:t>(</m:t>
-                      </m:r>
-                      <m:r>
-                        <a:rPr lang="nb-NO" sz="1500" i="1" dirty="0">
-                          <a:solidFill>
-                            <a:schemeClr val="tx1"/>
-                          </a:solidFill>
-                          <a:latin typeface="Cambria Math" panose="02040503050406030204" pitchFamily="18" charset="0"/>
-                        </a:rPr>
-                        <m:t>𝑘</m:t>
-                      </m:r>
-                      <m:r>
-                        <a:rPr lang="nb-NO" sz="1500" i="1" dirty="0">
-                          <a:solidFill>
-                            <a:schemeClr val="tx1"/>
-                          </a:solidFill>
-                          <a:latin typeface="Cambria Math" panose="02040503050406030204" pitchFamily="18" charset="0"/>
-                        </a:rPr>
-                        <m:t>|</m:t>
-                      </m:r>
-                      <m:r>
-                        <a:rPr lang="nb-NO" sz="1500" i="1" dirty="0">
-                          <a:solidFill>
-                            <a:schemeClr val="tx1"/>
-                          </a:solidFill>
-                          <a:latin typeface="Cambria Math" panose="02040503050406030204" pitchFamily="18" charset="0"/>
-                        </a:rPr>
-                        <m:t>𝑘</m:t>
-                      </m:r>
-                      <m:r>
-                        <a:rPr lang="nb-NO" sz="1500" i="1" dirty="0">
-                          <a:solidFill>
-                            <a:schemeClr val="tx1"/>
-                          </a:solidFill>
-                          <a:latin typeface="Cambria Math" panose="02040503050406030204" pitchFamily="18" charset="0"/>
-                        </a:rPr>
-                        <m:t>−1)</m:t>
-                      </m:r>
+                          <m:r>
+                            <a:rPr lang="nb-NO" sz="1500" i="1" dirty="0">
+                              <a:solidFill>
+                                <a:schemeClr val="tx1"/>
+                              </a:solidFill>
+                              <a:latin typeface="Cambria Math" panose="02040503050406030204" pitchFamily="18" charset="0"/>
+                            </a:rPr>
+                            <m:t>|</m:t>
+                          </m:r>
+                          <m:r>
+                            <a:rPr lang="nb-NO" sz="1500" i="1" dirty="0">
+                              <a:solidFill>
+                                <a:schemeClr val="tx1"/>
+                              </a:solidFill>
+                              <a:latin typeface="Cambria Math" panose="02040503050406030204" pitchFamily="18" charset="0"/>
+                            </a:rPr>
+                            <m:t>𝑘</m:t>
+                          </m:r>
+                          <m:r>
+                            <a:rPr lang="nb-NO" sz="1500" i="1" dirty="0">
+                              <a:solidFill>
+                                <a:schemeClr val="tx1"/>
+                              </a:solidFill>
+                              <a:latin typeface="Cambria Math" panose="02040503050406030204" pitchFamily="18" charset="0"/>
+                            </a:rPr>
+                            <m:t>−1</m:t>
+                          </m:r>
+                        </m:sub>
+                      </m:sSub>
                     </m:oMath>
                   </m:oMathPara>
                 </a14:m>
@@ -3299,7 +3313,7 @@
             </p:txBody>
           </p:sp>
         </mc:Choice>
-        <mc:Fallback xmlns="">
+        <mc:Fallback>
           <p:sp>
             <p:nvSpPr>
               <p:cNvPr id="8" name="Rounded Rectangle 7"/>
@@ -3351,8 +3365,8 @@
         </p:nvSpPr>
         <p:spPr>
           <a:xfrm>
-            <a:off x="99552" y="3353579"/>
-            <a:ext cx="1390403" cy="349032"/>
+            <a:off x="21269" y="3353579"/>
+            <a:ext cx="1424763" cy="349032"/>
           </a:xfrm>
           <a:prstGeom prst="roundRect">
             <a:avLst/>
@@ -3457,23 +3471,23 @@
                       <m:jc m:val="centerGroup"/>
                     </m:oMathParaPr>
                     <m:oMath xmlns:m="http://schemas.openxmlformats.org/officeDocument/2006/math">
-                      <m:sSub>
-                        <m:sSubPr>
+                      <m:sSubSup>
+                        <m:sSubSupPr>
                           <m:ctrlPr>
-                            <a:rPr lang="nb-NO" sz="1500" i="1">
+                            <a:rPr lang="nb-NO" sz="1500" b="0" i="1" smtClean="0">
                               <a:solidFill>
                                 <a:schemeClr val="tx1"/>
                               </a:solidFill>
                               <a:latin typeface="Cambria Math" panose="02040503050406030204" pitchFamily="18" charset="0"/>
                             </a:rPr>
                           </m:ctrlPr>
-                        </m:sSubPr>
+                        </m:sSubSupPr>
                         <m:e>
                           <m:acc>
                             <m:accPr>
                               <m:chr m:val="̃"/>
                               <m:ctrlPr>
-                                <a:rPr lang="nb-NO" sz="1500" b="0" i="1" smtClean="0">
+                                <a:rPr lang="nb-NO" sz="1500" i="1">
                                   <a:solidFill>
                                     <a:schemeClr val="tx1"/>
                                   </a:solidFill>
@@ -3483,7 +3497,7 @@
                             </m:accPr>
                             <m:e>
                               <m:r>
-                                <a:rPr lang="nb-NO" sz="1500" b="0" i="1" smtClean="0">
+                                <a:rPr lang="nb-NO" sz="1500" i="1">
                                   <a:solidFill>
                                     <a:schemeClr val="tx1"/>
                                   </a:solidFill>
@@ -3502,33 +3516,21 @@
                               </a:solidFill>
                               <a:latin typeface="Cambria Math" panose="02040503050406030204" pitchFamily="18" charset="0"/>
                             </a:rPr>
-                            <m:t>𝑗</m:t>
+                            <m:t>𝑘</m:t>
                           </m:r>
                         </m:sub>
-                      </m:sSub>
-                      <m:d>
-                        <m:dPr>
-                          <m:ctrlPr>
-                            <a:rPr lang="nb-NO" sz="1500" i="1">
+                        <m:sup>
+                          <m:r>
+                            <a:rPr lang="nb-NO" sz="1500" b="0" i="1" smtClean="0">
                               <a:solidFill>
                                 <a:schemeClr val="tx1"/>
                               </a:solidFill>
                               <a:latin typeface="Cambria Math" panose="02040503050406030204" pitchFamily="18" charset="0"/>
                             </a:rPr>
-                          </m:ctrlPr>
-                        </m:dPr>
-                        <m:e>
-                          <m:r>
-                            <a:rPr lang="nb-NO" sz="1500" i="1">
-                              <a:solidFill>
-                                <a:schemeClr val="tx1"/>
-                              </a:solidFill>
-                              <a:latin typeface="Cambria Math" panose="02040503050406030204" pitchFamily="18" charset="0"/>
-                            </a:rPr>
-                            <m:t>𝑘</m:t>
+                            <m:t>𝑖</m:t>
                           </m:r>
-                        </m:e>
-                      </m:d>
+                        </m:sup>
+                      </m:sSubSup>
                       <m:r>
                         <a:rPr lang="nb-NO" sz="1500" i="1">
                           <a:solidFill>
@@ -3550,68 +3552,62 @@
               </a:p>
               <a:p>
                 <a:pPr algn="ctr"/>
+                <a:r>
+                  <a:rPr lang="nb-NO" sz="1500" dirty="0" smtClean="0">
+                    <a:solidFill>
+                      <a:schemeClr val="tx1"/>
+                    </a:solidFill>
+                  </a:rPr>
+                  <a:t>i</a:t>
+                </a:r>
                 <a14:m>
-                  <m:oMathPara xmlns:m="http://schemas.openxmlformats.org/officeDocument/2006/math">
-                    <m:oMathParaPr>
-                      <m:jc m:val="centerGroup"/>
-                    </m:oMathParaPr>
-                    <m:oMath xmlns:m="http://schemas.openxmlformats.org/officeDocument/2006/math">
-                      <m:r>
-                        <a:rPr lang="nb-NO" sz="1500" b="0" i="1" smtClean="0">
-                          <a:solidFill>
-                            <a:schemeClr val="tx1"/>
-                          </a:solidFill>
-                          <a:latin typeface="Cambria Math" panose="02040503050406030204" pitchFamily="18" charset="0"/>
-                        </a:rPr>
-                        <m:t>𝑗</m:t>
-                      </m:r>
-                      <m:r>
-                        <a:rPr lang="nb-NO" sz="1500" i="1">
-                          <a:solidFill>
-                            <a:schemeClr val="tx1"/>
-                          </a:solidFill>
-                          <a:latin typeface="Cambria Math" panose="02040503050406030204" pitchFamily="18" charset="0"/>
-                        </a:rPr>
-                        <m:t>=1…</m:t>
-                      </m:r>
-                      <m:r>
-                        <a:rPr lang="nb-NO" sz="1500" i="1">
-                          <a:solidFill>
-                            <a:schemeClr val="tx1"/>
-                          </a:solidFill>
-                          <a:latin typeface="Cambria Math" panose="02040503050406030204" pitchFamily="18" charset="0"/>
-                        </a:rPr>
-                        <m:t>𝑚</m:t>
-                      </m:r>
-                      <m:r>
-                        <a:rPr lang="nb-NO" sz="1500" i="1">
-                          <a:solidFill>
-                            <a:schemeClr val="tx1"/>
-                          </a:solidFill>
-                          <a:latin typeface="Cambria Math" panose="02040503050406030204" pitchFamily="18" charset="0"/>
-                        </a:rPr>
-                        <m:t>(</m:t>
-                      </m:r>
-                      <m:r>
-                        <a:rPr lang="nb-NO" sz="1500" i="1">
-                          <a:solidFill>
-                            <a:schemeClr val="tx1"/>
-                          </a:solidFill>
-                          <a:latin typeface="Cambria Math" panose="02040503050406030204" pitchFamily="18" charset="0"/>
-                        </a:rPr>
-                        <m:t>𝑘</m:t>
-                      </m:r>
-                      <m:r>
-                        <a:rPr lang="nb-NO" sz="1500" i="1">
-                          <a:solidFill>
-                            <a:schemeClr val="tx1"/>
-                          </a:solidFill>
-                          <a:latin typeface="Cambria Math" panose="02040503050406030204" pitchFamily="18" charset="0"/>
-                        </a:rPr>
-                        <m:t>)</m:t>
-                      </m:r>
-                    </m:oMath>
-                  </m:oMathPara>
+                  <m:oMath xmlns:m="http://schemas.openxmlformats.org/officeDocument/2006/math">
+                    <m:r>
+                      <a:rPr lang="nb-NO" sz="1500" i="1">
+                        <a:solidFill>
+                          <a:schemeClr val="tx1"/>
+                        </a:solidFill>
+                        <a:latin typeface="Cambria Math" panose="02040503050406030204" pitchFamily="18" charset="0"/>
+                      </a:rPr>
+                      <m:t>=1…</m:t>
+                    </m:r>
+                    <m:r>
+                      <a:rPr lang="nb-NO" sz="1500" i="1">
+                        <a:solidFill>
+                          <a:schemeClr val="tx1"/>
+                        </a:solidFill>
+                        <a:latin typeface="Cambria Math" panose="02040503050406030204" pitchFamily="18" charset="0"/>
+                      </a:rPr>
+                      <m:t>𝑚</m:t>
+                    </m:r>
+                    <m:r>
+                      <a:rPr lang="nb-NO" sz="1500" i="1">
+                        <a:solidFill>
+                          <a:schemeClr val="tx1"/>
+                        </a:solidFill>
+                        <a:latin typeface="Cambria Math" panose="02040503050406030204" pitchFamily="18" charset="0"/>
+                      </a:rPr>
+                      <m:t>(</m:t>
+                    </m:r>
+                    <m:r>
+                      <a:rPr lang="nb-NO" sz="1500" i="1">
+                        <a:solidFill>
+                          <a:schemeClr val="tx1"/>
+                        </a:solidFill>
+                        <a:latin typeface="Cambria Math" panose="02040503050406030204" pitchFamily="18" charset="0"/>
+                      </a:rPr>
+                      <m:t>𝑘</m:t>
+                    </m:r>
+                    <m:r>
+                      <a:rPr lang="nb-NO" sz="1500" i="1">
+                        <a:solidFill>
+                          <a:schemeClr val="tx1"/>
+                        </a:solidFill>
+                        <a:latin typeface="Cambria Math" panose="02040503050406030204" pitchFamily="18" charset="0"/>
+                      </a:rPr>
+                      <m:t>)</m:t>
+                    </m:r>
+                  </m:oMath>
                 </a14:m>
                 <a:endParaRPr lang="en-US" sz="1500" dirty="0">
                   <a:solidFill>
@@ -3666,8 +3662,8 @@
           </p:sp>
         </mc:Fallback>
       </mc:AlternateContent>
-      <mc:AlternateContent xmlns:mc="http://schemas.openxmlformats.org/markup-compatibility/2006" xmlns:a14="http://schemas.microsoft.com/office/drawing/2010/main">
-        <mc:Choice Requires="a14">
+      <mc:AlternateContent xmlns:mc="http://schemas.openxmlformats.org/markup-compatibility/2006">
+        <mc:Choice xmlns:a14="http://schemas.microsoft.com/office/drawing/2010/main" Requires="a14">
           <p:sp>
             <p:nvSpPr>
               <p:cNvPr id="11" name="Rounded Rectangle 10"/>
@@ -3711,7 +3707,7 @@
               <a:p>
                 <a:pPr algn="ctr"/>
                 <a:r>
-                  <a:rPr lang="en-US" sz="1500" dirty="0">
+                  <a:rPr lang="en-US" sz="1500" dirty="0" smtClean="0">
                     <a:solidFill>
                       <a:schemeClr val="tx1"/>
                     </a:solidFill>
@@ -3727,75 +3723,82 @@
                       <m:jc m:val="centerGroup"/>
                     </m:oMathParaPr>
                     <m:oMath xmlns:m="http://schemas.openxmlformats.org/officeDocument/2006/math">
-                      <m:acc>
-                        <m:accPr>
-                          <m:chr m:val="̂"/>
+                      <m:sSub>
+                        <m:sSubPr>
                           <m:ctrlPr>
-                            <a:rPr lang="nb-NO" sz="1500" i="1">
+                            <a:rPr lang="nb-NO" sz="1500" b="0" i="1" dirty="0" smtClean="0">
                               <a:solidFill>
                                 <a:schemeClr val="tx1"/>
                               </a:solidFill>
                               <a:latin typeface="Cambria Math" panose="02040503050406030204" pitchFamily="18" charset="0"/>
                             </a:rPr>
                           </m:ctrlPr>
-                        </m:accPr>
+                        </m:sSubPr>
                         <m:e>
+                          <m:acc>
+                            <m:accPr>
+                              <m:chr m:val="̅"/>
+                              <m:ctrlPr>
+                                <a:rPr lang="nb-NO" sz="1500" b="0" i="1" dirty="0" smtClean="0">
+                                  <a:solidFill>
+                                    <a:schemeClr val="tx1"/>
+                                  </a:solidFill>
+                                  <a:latin typeface="Cambria Math" panose="02040503050406030204" pitchFamily="18" charset="0"/>
+                                </a:rPr>
+                              </m:ctrlPr>
+                            </m:accPr>
+                            <m:e>
+                              <m:r>
+                                <a:rPr lang="nb-NO" sz="1500" b="0" i="1" dirty="0" smtClean="0">
+                                  <a:solidFill>
+                                    <a:schemeClr val="tx1"/>
+                                  </a:solidFill>
+                                  <a:latin typeface="Cambria Math" panose="02040503050406030204" pitchFamily="18" charset="0"/>
+                                </a:rPr>
+                                <m:t>𝑥</m:t>
+                              </m:r>
+                            </m:e>
+                          </m:acc>
+                        </m:e>
+                        <m:sub>
                           <m:r>
-                            <a:rPr lang="nb-NO" sz="1500" i="1">
+                            <a:rPr lang="nb-NO" sz="1500" i="1" dirty="0">
                               <a:solidFill>
                                 <a:schemeClr val="tx1"/>
                               </a:solidFill>
                               <a:latin typeface="Cambria Math" panose="02040503050406030204" pitchFamily="18" charset="0"/>
                             </a:rPr>
-                            <m:t>𝑥</m:t>
+                            <m:t>𝑘</m:t>
                           </m:r>
-                        </m:e>
-                      </m:acc>
-                      <m:r>
-                        <a:rPr lang="nb-NO" sz="1500" i="1" dirty="0">
-                          <a:solidFill>
-                            <a:schemeClr val="tx1"/>
-                          </a:solidFill>
-                          <a:latin typeface="Cambria Math" panose="02040503050406030204" pitchFamily="18" charset="0"/>
-                        </a:rPr>
-                        <m:t>(</m:t>
-                      </m:r>
-                      <m:r>
-                        <a:rPr lang="nb-NO" sz="1500" i="1" dirty="0">
-                          <a:solidFill>
-                            <a:schemeClr val="tx1"/>
-                          </a:solidFill>
-                          <a:latin typeface="Cambria Math" panose="02040503050406030204" pitchFamily="18" charset="0"/>
-                        </a:rPr>
-                        <m:t>𝑘</m:t>
-                      </m:r>
-                      <m:r>
-                        <a:rPr lang="nb-NO" sz="1500" i="1" dirty="0">
-                          <a:solidFill>
-                            <a:schemeClr val="tx1"/>
-                          </a:solidFill>
-                          <a:latin typeface="Cambria Math" panose="02040503050406030204" pitchFamily="18" charset="0"/>
-                        </a:rPr>
-                        <m:t>|</m:t>
-                      </m:r>
-                      <m:r>
-                        <a:rPr lang="nb-NO" sz="1500" i="1" dirty="0">
-                          <a:solidFill>
-                            <a:schemeClr val="tx1"/>
-                          </a:solidFill>
-                          <a:latin typeface="Cambria Math" panose="02040503050406030204" pitchFamily="18" charset="0"/>
-                        </a:rPr>
-                        <m:t>𝑘</m:t>
-                      </m:r>
-                      <m:r>
-                        <a:rPr lang="nb-NO" sz="1500" i="1" dirty="0">
-                          <a:solidFill>
-                            <a:schemeClr val="tx1"/>
-                          </a:solidFill>
-                          <a:latin typeface="Cambria Math" panose="02040503050406030204" pitchFamily="18" charset="0"/>
-                        </a:rPr>
-                        <m:t>−1)</m:t>
-                      </m:r>
+                          <m:r>
+                            <a:rPr lang="nb-NO" sz="1500" i="1" dirty="0">
+                              <a:solidFill>
+                                <a:schemeClr val="tx1"/>
+                              </a:solidFill>
+                              <a:latin typeface="Cambria Math" panose="02040503050406030204" pitchFamily="18" charset="0"/>
+                            </a:rPr>
+                            <m:t>|</m:t>
+                          </m:r>
+                          <m:r>
+                            <a:rPr lang="nb-NO" sz="1500" i="1" dirty="0">
+                              <a:solidFill>
+                                <a:schemeClr val="tx1"/>
+                              </a:solidFill>
+                              <a:latin typeface="Cambria Math" panose="02040503050406030204" pitchFamily="18" charset="0"/>
+                            </a:rPr>
+                            <m:t>𝑘</m:t>
+                          </m:r>
+                          <m:r>
+                            <a:rPr lang="nb-NO" sz="1500" i="1" dirty="0">
+                              <a:solidFill>
+                                <a:schemeClr val="tx1"/>
+                              </a:solidFill>
+                              <a:latin typeface="Cambria Math" panose="02040503050406030204" pitchFamily="18" charset="0"/>
+                            </a:rPr>
+                            <m:t>−1</m:t>
+                          </m:r>
+                        </m:sub>
+                      </m:sSub>
                     </m:oMath>
                   </m:oMathPara>
                 </a14:m>
@@ -3808,7 +3811,7 @@
             </p:txBody>
           </p:sp>
         </mc:Choice>
-        <mc:Fallback xmlns="">
+        <mc:Fallback>
           <p:sp>
             <p:nvSpPr>
               <p:cNvPr id="11" name="Rounded Rectangle 10"/>
@@ -3852,8 +3855,8 @@
           </p:sp>
         </mc:Fallback>
       </mc:AlternateContent>
-      <mc:AlternateContent xmlns:mc="http://schemas.openxmlformats.org/markup-compatibility/2006" xmlns:a14="http://schemas.microsoft.com/office/drawing/2010/main">
-        <mc:Choice Requires="a14">
+      <mc:AlternateContent xmlns:mc="http://schemas.openxmlformats.org/markup-compatibility/2006">
+        <mc:Choice xmlns:a14="http://schemas.microsoft.com/office/drawing/2010/main" Requires="a14">
           <p:sp>
             <p:nvSpPr>
               <p:cNvPr id="12" name="Rounded Rectangle 11"/>
@@ -3897,7 +3900,7 @@
               <a:p>
                 <a:pPr algn="ctr"/>
                 <a:r>
-                  <a:rPr lang="en-US" sz="1500" dirty="0">
+                  <a:rPr lang="en-US" sz="1500" dirty="0" smtClean="0">
                     <a:solidFill>
                       <a:schemeClr val="tx1"/>
                     </a:solidFill>
@@ -3913,60 +3916,67 @@
                       <m:jc m:val="centerGroup"/>
                     </m:oMathParaPr>
                     <m:oMath xmlns:m="http://schemas.openxmlformats.org/officeDocument/2006/math">
-                      <m:r>
-                        <a:rPr lang="nb-NO" sz="1500" i="1">
-                          <a:solidFill>
-                            <a:schemeClr val="tx1"/>
-                          </a:solidFill>
-                          <a:latin typeface="Cambria Math" panose="02040503050406030204" pitchFamily="18" charset="0"/>
-                        </a:rPr>
-                        <m:t>𝑃</m:t>
-                      </m:r>
-                      <m:r>
-                        <a:rPr lang="nb-NO" sz="1500" i="1">
-                          <a:solidFill>
-                            <a:schemeClr val="tx1"/>
-                          </a:solidFill>
-                          <a:latin typeface="Cambria Math" panose="02040503050406030204" pitchFamily="18" charset="0"/>
-                        </a:rPr>
-                        <m:t>(</m:t>
-                      </m:r>
-                      <m:r>
-                        <a:rPr lang="nb-NO" sz="1500" i="1">
-                          <a:solidFill>
-                            <a:schemeClr val="tx1"/>
-                          </a:solidFill>
-                          <a:latin typeface="Cambria Math" panose="02040503050406030204" pitchFamily="18" charset="0"/>
-                        </a:rPr>
-                        <m:t>𝑘</m:t>
-                      </m:r>
-                      <m:r>
-                        <a:rPr lang="nb-NO" sz="1500" i="1">
-                          <a:solidFill>
-                            <a:schemeClr val="tx1"/>
-                          </a:solidFill>
-                          <a:latin typeface="Cambria Math" panose="02040503050406030204" pitchFamily="18" charset="0"/>
-                        </a:rPr>
-                        <m:t>|</m:t>
-                      </m:r>
-                      <m:r>
-                        <a:rPr lang="nb-NO" sz="1500" i="1">
-                          <a:solidFill>
-                            <a:schemeClr val="tx1"/>
-                          </a:solidFill>
-                          <a:latin typeface="Cambria Math" panose="02040503050406030204" pitchFamily="18" charset="0"/>
-                        </a:rPr>
-                        <m:t>𝑘</m:t>
-                      </m:r>
-                      <m:r>
-                        <a:rPr lang="nb-NO" sz="1500" i="1">
-                          <a:solidFill>
-                            <a:schemeClr val="tx1"/>
-                          </a:solidFill>
-                          <a:latin typeface="Cambria Math" panose="02040503050406030204" pitchFamily="18" charset="0"/>
-                        </a:rPr>
-                        <m:t>−1)</m:t>
-                      </m:r>
+                      <m:sSub>
+                        <m:sSubPr>
+                          <m:ctrlPr>
+                            <a:rPr lang="nb-NO" sz="1500" b="0" i="1" smtClean="0">
+                              <a:solidFill>
+                                <a:schemeClr val="tx1"/>
+                              </a:solidFill>
+                              <a:latin typeface="Cambria Math" panose="02040503050406030204" pitchFamily="18" charset="0"/>
+                            </a:rPr>
+                          </m:ctrlPr>
+                        </m:sSubPr>
+                        <m:e>
+                          <m:r>
+                            <a:rPr lang="nb-NO" sz="1500" i="1">
+                              <a:solidFill>
+                                <a:schemeClr val="tx1"/>
+                              </a:solidFill>
+                              <a:latin typeface="Cambria Math" panose="02040503050406030204" pitchFamily="18" charset="0"/>
+                            </a:rPr>
+                            <m:t>𝑃</m:t>
+                          </m:r>
+                        </m:e>
+                        <m:sub>
+                          <m:r>
+                            <a:rPr lang="nb-NO" sz="1500" i="1">
+                              <a:solidFill>
+                                <a:schemeClr val="tx1"/>
+                              </a:solidFill>
+                              <a:latin typeface="Cambria Math" panose="02040503050406030204" pitchFamily="18" charset="0"/>
+                            </a:rPr>
+                            <m:t>𝑘</m:t>
+                          </m:r>
+                          <m:r>
+                            <a:rPr lang="nb-NO" sz="1500" i="1">
+                              <a:solidFill>
+                                <a:schemeClr val="tx1"/>
+                              </a:solidFill>
+                              <a:latin typeface="Cambria Math" panose="02040503050406030204" pitchFamily="18" charset="0"/>
+                            </a:rPr>
+                            <m:t>|</m:t>
+                          </m:r>
+                          <m:r>
+                            <a:rPr lang="nb-NO" sz="1500" i="1">
+                              <a:solidFill>
+                                <a:schemeClr val="tx1"/>
+                              </a:solidFill>
+                              <a:latin typeface="Cambria Math" panose="02040503050406030204" pitchFamily="18" charset="0"/>
+                            </a:rPr>
+                            <m:t>𝑘</m:t>
+                          </m:r>
+                          <m:r>
+                            <a:rPr lang="nb-NO" sz="1500" i="1">
+                              <a:solidFill>
+                                <a:schemeClr val="tx1"/>
+                              </a:solidFill>
+                              <a:latin typeface="Cambria Math" panose="02040503050406030204" pitchFamily="18" charset="0"/>
+                            </a:rPr>
+                            <m:t>−1</m:t>
+                          </m:r>
+                        </m:sub>
+                      </m:sSub>
                     </m:oMath>
                   </m:oMathPara>
                 </a14:m>
@@ -3979,7 +3989,7 @@
             </p:txBody>
           </p:sp>
         </mc:Choice>
-        <mc:Fallback xmlns="">
+        <mc:Fallback>
           <p:sp>
             <p:nvSpPr>
               <p:cNvPr id="12" name="Rounded Rectangle 11"/>
@@ -4099,21 +4109,17 @@
         <p:nvCxnSpPr>
           <p:cNvPr id="39" name="Curved Connector 38"/>
           <p:cNvCxnSpPr>
-            <a:stCxn id="9" idx="2"/>
             <a:endCxn id="10" idx="1"/>
           </p:cNvCxnSpPr>
           <p:nvPr/>
         </p:nvCxnSpPr>
         <p:spPr>
-          <a:xfrm rot="5400000">
-            <a:off x="194850" y="4216787"/>
-            <a:ext cx="1114081" cy="85728"/>
+          <a:xfrm rot="16200000" flipH="1">
+            <a:off x="37524" y="4145191"/>
+            <a:ext cx="1114082" cy="228925"/>
           </a:xfrm>
-          <a:prstGeom prst="bentConnector4">
-            <a:avLst>
-              <a:gd name="adj1" fmla="val 8553"/>
-              <a:gd name="adj2" fmla="val 366657"/>
-            </a:avLst>
+          <a:prstGeom prst="bentConnector2">
+            <a:avLst/>
           </a:prstGeom>
           <a:ln>
             <a:tailEnd type="triangle"/>
@@ -4134,8 +4140,8 @@
           </a:fontRef>
         </p:style>
       </p:cxnSp>
-      <mc:AlternateContent xmlns:mc="http://schemas.openxmlformats.org/markup-compatibility/2006" xmlns:a14="http://schemas.microsoft.com/office/drawing/2010/main">
-        <mc:Choice Requires="a14">
+      <mc:AlternateContent xmlns:mc="http://schemas.openxmlformats.org/markup-compatibility/2006">
+        <mc:Choice xmlns:a14="http://schemas.microsoft.com/office/drawing/2010/main" Requires="a14">
           <p:sp>
             <p:nvSpPr>
               <p:cNvPr id="21" name="Rounded Rectangle 20"/>
@@ -4179,7 +4185,7 @@
               <a:p>
                 <a:pPr algn="ctr"/>
                 <a:r>
-                  <a:rPr lang="en-US" sz="1500" dirty="0">
+                  <a:rPr lang="en-US" sz="1500" dirty="0" smtClean="0">
                     <a:solidFill>
                       <a:schemeClr val="tx1"/>
                     </a:solidFill>
@@ -4195,42 +4201,40 @@
                       <m:jc m:val="centerGroup"/>
                     </m:oMathParaPr>
                     <m:oMath xmlns:m="http://schemas.openxmlformats.org/officeDocument/2006/math">
-                      <m:r>
-                        <a:rPr lang="nb-NO" sz="1500" i="1">
-                          <a:solidFill>
-                            <a:schemeClr val="tx1"/>
-                          </a:solidFill>
-                          <a:latin typeface="Cambria Math" panose="02040503050406030204" pitchFamily="18" charset="0"/>
-                        </a:rPr>
-                        <m:t>𝑆</m:t>
-                      </m:r>
-                      <m:r>
-                        <a:rPr lang="nb-NO" sz="1500" i="1">
-                          <a:solidFill>
-                            <a:schemeClr val="tx1"/>
-                          </a:solidFill>
-                          <a:latin typeface="Cambria Math" panose="02040503050406030204" pitchFamily="18" charset="0"/>
-                        </a:rPr>
-                        <m:t>(</m:t>
-                      </m:r>
-                      <m:r>
-                        <a:rPr lang="nb-NO" sz="1500" i="1">
-                          <a:solidFill>
-                            <a:schemeClr val="tx1"/>
-                          </a:solidFill>
-                          <a:latin typeface="Cambria Math" panose="02040503050406030204" pitchFamily="18" charset="0"/>
-                        </a:rPr>
-                        <m:t>𝑘</m:t>
-                      </m:r>
-                      <m:r>
-                        <a:rPr lang="nb-NO" sz="1500" i="1">
-                          <a:solidFill>
-                            <a:schemeClr val="tx1"/>
-                          </a:solidFill>
-                          <a:latin typeface="Cambria Math" panose="02040503050406030204" pitchFamily="18" charset="0"/>
-                        </a:rPr>
-                        <m:t>)</m:t>
-                      </m:r>
+                      <m:sSub>
+                        <m:sSubPr>
+                          <m:ctrlPr>
+                            <a:rPr lang="nb-NO" sz="1500" b="0" i="1" smtClean="0">
+                              <a:solidFill>
+                                <a:schemeClr val="tx1"/>
+                              </a:solidFill>
+                              <a:latin typeface="Cambria Math" panose="02040503050406030204" pitchFamily="18" charset="0"/>
+                            </a:rPr>
+                          </m:ctrlPr>
+                        </m:sSubPr>
+                        <m:e>
+                          <m:r>
+                            <a:rPr lang="nb-NO" sz="1500" i="1">
+                              <a:solidFill>
+                                <a:schemeClr val="tx1"/>
+                              </a:solidFill>
+                              <a:latin typeface="Cambria Math" panose="02040503050406030204" pitchFamily="18" charset="0"/>
+                            </a:rPr>
+                            <m:t>𝑆</m:t>
+                          </m:r>
+                        </m:e>
+                        <m:sub>
+                          <m:r>
+                            <a:rPr lang="nb-NO" sz="1500" b="0" i="1" smtClean="0">
+                              <a:solidFill>
+                                <a:schemeClr val="tx1"/>
+                              </a:solidFill>
+                              <a:latin typeface="Cambria Math" panose="02040503050406030204" pitchFamily="18" charset="0"/>
+                            </a:rPr>
+                            <m:t>𝑘</m:t>
+                          </m:r>
+                        </m:sub>
+                      </m:sSub>
                     </m:oMath>
                   </m:oMathPara>
                 </a14:m>
@@ -4243,7 +4247,7 @@
             </p:txBody>
           </p:sp>
         </mc:Choice>
-        <mc:Fallback xmlns="">
+        <mc:Fallback>
           <p:sp>
             <p:nvSpPr>
               <p:cNvPr id="21" name="Rounded Rectangle 20"/>
@@ -4287,8 +4291,8 @@
           </p:sp>
         </mc:Fallback>
       </mc:AlternateContent>
-      <mc:AlternateContent xmlns:mc="http://schemas.openxmlformats.org/markup-compatibility/2006" xmlns:a14="http://schemas.microsoft.com/office/drawing/2010/main">
-        <mc:Choice Requires="a14">
+      <mc:AlternateContent xmlns:mc="http://schemas.openxmlformats.org/markup-compatibility/2006">
+        <mc:Choice xmlns:a14="http://schemas.microsoft.com/office/drawing/2010/main" Requires="a14">
           <p:sp>
             <p:nvSpPr>
               <p:cNvPr id="23" name="Rounded Rectangle 22"/>
@@ -4332,7 +4336,7 @@
               <a:p>
                 <a:pPr algn="ctr"/>
                 <a:r>
-                  <a:rPr lang="en-US" sz="1500" dirty="0">
+                  <a:rPr lang="en-US" sz="1500" dirty="0" smtClean="0">
                     <a:solidFill>
                       <a:schemeClr val="tx1"/>
                     </a:solidFill>
@@ -4348,20 +4352,20 @@
                       <m:jc m:val="centerGroup"/>
                     </m:oMathParaPr>
                     <m:oMath xmlns:m="http://schemas.openxmlformats.org/officeDocument/2006/math">
-                      <m:sSub>
-                        <m:sSubPr>
+                      <m:sSubSup>
+                        <m:sSubSupPr>
                           <m:ctrlPr>
-                            <a:rPr lang="nb-NO" sz="1500" i="1">
+                            <a:rPr lang="nb-NO" sz="1500" i="1" smtClean="0">
                               <a:solidFill>
                                 <a:schemeClr val="tx1"/>
                               </a:solidFill>
                               <a:latin typeface="Cambria Math" panose="02040503050406030204" pitchFamily="18" charset="0"/>
                             </a:rPr>
                           </m:ctrlPr>
-                        </m:sSubPr>
+                        </m:sSubSupPr>
                         <m:e>
                           <m:r>
-                            <a:rPr lang="nb-NO" sz="1500" i="1">
+                            <a:rPr lang="nb-NO" sz="1500" b="0" i="1" smtClean="0">
                               <a:solidFill>
                                 <a:schemeClr val="tx1"/>
                               </a:solidFill>
@@ -4372,7 +4376,18 @@
                         </m:e>
                         <m:sub>
                           <m:r>
-                            <a:rPr lang="nb-NO" sz="1500" i="1">
+                            <a:rPr lang="nb-NO" sz="1500" b="0" i="1" smtClean="0">
+                              <a:solidFill>
+                                <a:schemeClr val="tx1"/>
+                              </a:solidFill>
+                              <a:latin typeface="Cambria Math" panose="02040503050406030204" pitchFamily="18" charset="0"/>
+                            </a:rPr>
+                            <m:t>𝑘</m:t>
+                          </m:r>
+                        </m:sub>
+                        <m:sup>
+                          <m:r>
+                            <a:rPr lang="nb-NO" sz="1500" b="0" i="1" smtClean="0">
                               <a:solidFill>
                                 <a:schemeClr val="tx1"/>
                               </a:solidFill>
@@ -4380,35 +4395,8 @@
                             </a:rPr>
                             <m:t>𝑖</m:t>
                           </m:r>
-                        </m:sub>
-                      </m:sSub>
-                      <m:r>
-                        <a:rPr lang="nb-NO" sz="1500" i="1">
-                          <a:solidFill>
-                            <a:schemeClr val="tx1"/>
-                          </a:solidFill>
-                          <a:latin typeface="Cambria Math" panose="02040503050406030204" pitchFamily="18" charset="0"/>
-                        </a:rPr>
-                        <m:t>(</m:t>
-                      </m:r>
-                      <m:r>
-                        <a:rPr lang="nb-NO" sz="1500" i="1">
-                          <a:solidFill>
-                            <a:schemeClr val="tx1"/>
-                          </a:solidFill>
-                          <a:latin typeface="Cambria Math" panose="02040503050406030204" pitchFamily="18" charset="0"/>
-                        </a:rPr>
-                        <m:t>𝑘</m:t>
-                      </m:r>
-                      <m:r>
-                        <a:rPr lang="nb-NO" sz="1500" i="1">
-                          <a:solidFill>
-                            <a:schemeClr val="tx1"/>
-                          </a:solidFill>
-                          <a:latin typeface="Cambria Math" panose="02040503050406030204" pitchFamily="18" charset="0"/>
-                        </a:rPr>
-                        <m:t>)</m:t>
-                      </m:r>
+                        </m:sup>
+                      </m:sSubSup>
                     </m:oMath>
                   </m:oMathPara>
                 </a14:m>
@@ -4421,7 +4409,7 @@
             </p:txBody>
           </p:sp>
         </mc:Choice>
-        <mc:Fallback xmlns="">
+        <mc:Fallback>
           <p:sp>
             <p:nvSpPr>
               <p:cNvPr id="23" name="Rounded Rectangle 22"/>
@@ -4465,8 +4453,8 @@
           </p:sp>
         </mc:Fallback>
       </mc:AlternateContent>
-      <mc:AlternateContent xmlns:mc="http://schemas.openxmlformats.org/markup-compatibility/2006" xmlns:a14="http://schemas.microsoft.com/office/drawing/2010/main">
-        <mc:Choice Requires="a14">
+      <mc:AlternateContent xmlns:mc="http://schemas.openxmlformats.org/markup-compatibility/2006">
+        <mc:Choice xmlns:a14="http://schemas.microsoft.com/office/drawing/2010/main" Requires="a14">
           <p:sp>
             <p:nvSpPr>
               <p:cNvPr id="24" name="Rounded Rectangle 23"/>
@@ -4510,7 +4498,7 @@
               <a:p>
                 <a:pPr algn="ctr"/>
                 <a:r>
-                  <a:rPr lang="en-US" sz="1500" dirty="0">
+                  <a:rPr lang="en-US" sz="1500" dirty="0" smtClean="0">
                     <a:solidFill>
                       <a:schemeClr val="tx1"/>
                     </a:solidFill>
@@ -4526,60 +4514,67 @@
                       <m:jc m:val="centerGroup"/>
                     </m:oMathParaPr>
                     <m:oMath xmlns:m="http://schemas.openxmlformats.org/officeDocument/2006/math">
-                      <m:r>
-                        <a:rPr lang="nb-NO" sz="1500" i="1">
-                          <a:solidFill>
-                            <a:schemeClr val="tx1"/>
-                          </a:solidFill>
-                          <a:latin typeface="Cambria Math" panose="02040503050406030204" pitchFamily="18" charset="0"/>
-                        </a:rPr>
-                        <m:t>𝑃</m:t>
-                      </m:r>
-                      <m:r>
-                        <a:rPr lang="nb-NO" sz="1500" i="1">
-                          <a:solidFill>
-                            <a:schemeClr val="tx1"/>
-                          </a:solidFill>
-                          <a:latin typeface="Cambria Math" panose="02040503050406030204" pitchFamily="18" charset="0"/>
-                        </a:rPr>
-                        <m:t>(</m:t>
-                      </m:r>
-                      <m:r>
-                        <a:rPr lang="nb-NO" sz="1500" i="1">
-                          <a:solidFill>
-                            <a:schemeClr val="tx1"/>
-                          </a:solidFill>
-                          <a:latin typeface="Cambria Math" panose="02040503050406030204" pitchFamily="18" charset="0"/>
-                        </a:rPr>
-                        <m:t>𝑘</m:t>
-                      </m:r>
-                      <m:r>
-                        <a:rPr lang="nb-NO" sz="1500" i="1">
-                          <a:solidFill>
-                            <a:schemeClr val="tx1"/>
-                          </a:solidFill>
-                          <a:latin typeface="Cambria Math" panose="02040503050406030204" pitchFamily="18" charset="0"/>
-                        </a:rPr>
-                        <m:t>−1|</m:t>
-                      </m:r>
-                      <m:r>
-                        <a:rPr lang="nb-NO" sz="1500" i="1">
-                          <a:solidFill>
-                            <a:schemeClr val="tx1"/>
-                          </a:solidFill>
-                          <a:latin typeface="Cambria Math" panose="02040503050406030204" pitchFamily="18" charset="0"/>
-                        </a:rPr>
-                        <m:t>𝑘</m:t>
-                      </m:r>
-                      <m:r>
-                        <a:rPr lang="nb-NO" sz="1500" i="1">
-                          <a:solidFill>
-                            <a:schemeClr val="tx1"/>
-                          </a:solidFill>
-                          <a:latin typeface="Cambria Math" panose="02040503050406030204" pitchFamily="18" charset="0"/>
-                        </a:rPr>
-                        <m:t>−1)</m:t>
-                      </m:r>
+                      <m:sSub>
+                        <m:sSubPr>
+                          <m:ctrlPr>
+                            <a:rPr lang="nb-NO" sz="1500" b="0" i="1" smtClean="0">
+                              <a:solidFill>
+                                <a:schemeClr val="tx1"/>
+                              </a:solidFill>
+                              <a:latin typeface="Cambria Math" panose="02040503050406030204" pitchFamily="18" charset="0"/>
+                            </a:rPr>
+                          </m:ctrlPr>
+                        </m:sSubPr>
+                        <m:e>
+                          <m:r>
+                            <a:rPr lang="nb-NO" sz="1500" i="1">
+                              <a:solidFill>
+                                <a:schemeClr val="tx1"/>
+                              </a:solidFill>
+                              <a:latin typeface="Cambria Math" panose="02040503050406030204" pitchFamily="18" charset="0"/>
+                            </a:rPr>
+                            <m:t>𝑃</m:t>
+                          </m:r>
+                        </m:e>
+                        <m:sub>
+                          <m:r>
+                            <a:rPr lang="nb-NO" sz="1500" i="1">
+                              <a:solidFill>
+                                <a:schemeClr val="tx1"/>
+                              </a:solidFill>
+                              <a:latin typeface="Cambria Math" panose="02040503050406030204" pitchFamily="18" charset="0"/>
+                            </a:rPr>
+                            <m:t>𝑘</m:t>
+                          </m:r>
+                          <m:r>
+                            <a:rPr lang="nb-NO" sz="1500" i="1">
+                              <a:solidFill>
+                                <a:schemeClr val="tx1"/>
+                              </a:solidFill>
+                              <a:latin typeface="Cambria Math" panose="02040503050406030204" pitchFamily="18" charset="0"/>
+                            </a:rPr>
+                            <m:t>−1|</m:t>
+                          </m:r>
+                          <m:r>
+                            <a:rPr lang="nb-NO" sz="1500" i="1">
+                              <a:solidFill>
+                                <a:schemeClr val="tx1"/>
+                              </a:solidFill>
+                              <a:latin typeface="Cambria Math" panose="02040503050406030204" pitchFamily="18" charset="0"/>
+                            </a:rPr>
+                            <m:t>𝑘</m:t>
+                          </m:r>
+                          <m:r>
+                            <a:rPr lang="nb-NO" sz="1500" i="1">
+                              <a:solidFill>
+                                <a:schemeClr val="tx1"/>
+                              </a:solidFill>
+                              <a:latin typeface="Cambria Math" panose="02040503050406030204" pitchFamily="18" charset="0"/>
+                            </a:rPr>
+                            <m:t>−1</m:t>
+                          </m:r>
+                        </m:sub>
+                      </m:sSub>
                     </m:oMath>
                   </m:oMathPara>
                 </a14:m>
@@ -4592,7 +4587,7 @@
             </p:txBody>
           </p:sp>
         </mc:Choice>
-        <mc:Fallback xmlns="">
+        <mc:Fallback>
           <p:sp>
             <p:nvSpPr>
               <p:cNvPr id="24" name="Rounded Rectangle 23"/>
@@ -4636,8 +4631,8 @@
           </p:sp>
         </mc:Fallback>
       </mc:AlternateContent>
-      <mc:AlternateContent xmlns:mc="http://schemas.openxmlformats.org/markup-compatibility/2006" xmlns:a14="http://schemas.microsoft.com/office/drawing/2010/main">
-        <mc:Choice Requires="a14">
+      <mc:AlternateContent xmlns:mc="http://schemas.openxmlformats.org/markup-compatibility/2006">
+        <mc:Choice xmlns:a14="http://schemas.microsoft.com/office/drawing/2010/main" Requires="a14">
           <p:sp>
             <p:nvSpPr>
               <p:cNvPr id="41" name="Rounded Rectangle 40"/>
@@ -4681,7 +4676,7 @@
               <a:p>
                 <a:pPr algn="ctr"/>
                 <a:r>
-                  <a:rPr lang="en-US" sz="1500" dirty="0">
+                  <a:rPr lang="en-US" sz="1500" dirty="0" smtClean="0">
                     <a:solidFill>
                       <a:schemeClr val="tx1"/>
                     </a:solidFill>
@@ -4697,42 +4692,40 @@
                       <m:jc m:val="centerGroup"/>
                     </m:oMathParaPr>
                     <m:oMath xmlns:m="http://schemas.openxmlformats.org/officeDocument/2006/math">
-                      <m:r>
-                        <a:rPr lang="nb-NO" sz="1500" i="1">
-                          <a:solidFill>
-                            <a:schemeClr val="tx1"/>
-                          </a:solidFill>
-                          <a:latin typeface="Cambria Math" panose="02040503050406030204" pitchFamily="18" charset="0"/>
-                        </a:rPr>
-                        <m:t>𝜈</m:t>
-                      </m:r>
-                      <m:r>
-                        <a:rPr lang="nb-NO" sz="1500" i="1">
-                          <a:solidFill>
-                            <a:schemeClr val="tx1"/>
-                          </a:solidFill>
-                          <a:latin typeface="Cambria Math" panose="02040503050406030204" pitchFamily="18" charset="0"/>
-                        </a:rPr>
-                        <m:t>(</m:t>
-                      </m:r>
-                      <m:r>
-                        <a:rPr lang="nb-NO" sz="1500" i="1">
-                          <a:solidFill>
-                            <a:schemeClr val="tx1"/>
-                          </a:solidFill>
-                          <a:latin typeface="Cambria Math" panose="02040503050406030204" pitchFamily="18" charset="0"/>
-                        </a:rPr>
-                        <m:t>𝑘</m:t>
-                      </m:r>
-                      <m:r>
-                        <a:rPr lang="nb-NO" sz="1500" i="1">
-                          <a:solidFill>
-                            <a:schemeClr val="tx1"/>
-                          </a:solidFill>
-                          <a:latin typeface="Cambria Math" panose="02040503050406030204" pitchFamily="18" charset="0"/>
-                        </a:rPr>
-                        <m:t>)</m:t>
-                      </m:r>
+                      <m:sSub>
+                        <m:sSubPr>
+                          <m:ctrlPr>
+                            <a:rPr lang="nb-NO" sz="1500" b="0" i="1" smtClean="0">
+                              <a:solidFill>
+                                <a:schemeClr val="tx1"/>
+                              </a:solidFill>
+                              <a:latin typeface="Cambria Math" panose="02040503050406030204" pitchFamily="18" charset="0"/>
+                            </a:rPr>
+                          </m:ctrlPr>
+                        </m:sSubPr>
+                        <m:e>
+                          <m:r>
+                            <a:rPr lang="nb-NO" sz="1500" i="1">
+                              <a:solidFill>
+                                <a:schemeClr val="tx1"/>
+                              </a:solidFill>
+                              <a:latin typeface="Cambria Math" panose="02040503050406030204" pitchFamily="18" charset="0"/>
+                            </a:rPr>
+                            <m:t>𝜈</m:t>
+                          </m:r>
+                        </m:e>
+                        <m:sub>
+                          <m:r>
+                            <a:rPr lang="nb-NO" sz="1500" b="0" i="1" smtClean="0">
+                              <a:solidFill>
+                                <a:schemeClr val="tx1"/>
+                              </a:solidFill>
+                              <a:latin typeface="Cambria Math" panose="02040503050406030204" pitchFamily="18" charset="0"/>
+                            </a:rPr>
+                            <m:t>𝑘</m:t>
+                          </m:r>
+                        </m:sub>
+                      </m:sSub>
                     </m:oMath>
                   </m:oMathPara>
                 </a14:m>
@@ -4745,7 +4738,7 @@
             </p:txBody>
           </p:sp>
         </mc:Choice>
-        <mc:Fallback xmlns="">
+        <mc:Fallback>
           <p:sp>
             <p:nvSpPr>
               <p:cNvPr id="41" name="Rounded Rectangle 40"/>
@@ -4765,7 +4758,7 @@
               <a:blipFill rotWithShape="0">
                 <a:blip r:embed="rId10"/>
                 <a:stretch>
-                  <a:fillRect t="-1550" b="-3876"/>
+                  <a:fillRect t="-1550"/>
                 </a:stretch>
               </a:blipFill>
               <a:ln w="19050">
@@ -4789,8 +4782,8 @@
           </p:sp>
         </mc:Fallback>
       </mc:AlternateContent>
-      <mc:AlternateContent xmlns:mc="http://schemas.openxmlformats.org/markup-compatibility/2006" xmlns:a14="http://schemas.microsoft.com/office/drawing/2010/main">
-        <mc:Choice Requires="a14">
+      <mc:AlternateContent xmlns:mc="http://schemas.openxmlformats.org/markup-compatibility/2006">
+        <mc:Choice xmlns:a14="http://schemas.microsoft.com/office/drawing/2010/main" Requires="a14">
           <p:sp>
             <p:nvSpPr>
               <p:cNvPr id="42" name="Rounded Rectangle 41"/>
@@ -4834,7 +4827,7 @@
               <a:p>
                 <a:pPr algn="ctr"/>
                 <a:r>
-                  <a:rPr lang="en-US" sz="1500" dirty="0">
+                  <a:rPr lang="en-US" sz="1500" dirty="0" smtClean="0">
                     <a:solidFill>
                       <a:schemeClr val="tx1"/>
                     </a:solidFill>
@@ -4850,75 +4843,73 @@
                       <m:jc m:val="centerGroup"/>
                     </m:oMathParaPr>
                     <m:oMath xmlns:m="http://schemas.openxmlformats.org/officeDocument/2006/math">
-                      <m:acc>
-                        <m:accPr>
-                          <m:chr m:val="̂"/>
+                      <m:sSub>
+                        <m:sSubPr>
                           <m:ctrlPr>
-                            <a:rPr lang="nb-NO" sz="1500" i="1">
+                            <a:rPr lang="nb-NO" sz="1500" b="0" i="1" smtClean="0">
                               <a:solidFill>
                                 <a:schemeClr val="tx1"/>
                               </a:solidFill>
                               <a:latin typeface="Cambria Math" panose="02040503050406030204" pitchFamily="18" charset="0"/>
                             </a:rPr>
                           </m:ctrlPr>
-                        </m:accPr>
+                        </m:sSubPr>
                         <m:e>
+                          <m:acc>
+                            <m:accPr>
+                              <m:chr m:val="̂"/>
+                              <m:ctrlPr>
+                                <a:rPr lang="nb-NO" sz="1500" i="1">
+                                  <a:solidFill>
+                                    <a:schemeClr val="tx1"/>
+                                  </a:solidFill>
+                                  <a:latin typeface="Cambria Math" panose="02040503050406030204" pitchFamily="18" charset="0"/>
+                                </a:rPr>
+                              </m:ctrlPr>
+                            </m:accPr>
+                            <m:e>
+                              <m:r>
+                                <a:rPr lang="nb-NO" sz="1500" i="1">
+                                  <a:solidFill>
+                                    <a:schemeClr val="tx1"/>
+                                  </a:solidFill>
+                                  <a:latin typeface="Cambria Math" panose="02040503050406030204" pitchFamily="18" charset="0"/>
+                                </a:rPr>
+                                <m:t>𝑥</m:t>
+                              </m:r>
+                            </m:e>
+                          </m:acc>
+                        </m:e>
+                        <m:sub>
                           <m:r>
-                            <a:rPr lang="nb-NO" sz="1500" i="1">
+                            <a:rPr lang="nb-NO" sz="1500" i="1" dirty="0">
                               <a:solidFill>
                                 <a:schemeClr val="tx1"/>
                               </a:solidFill>
                               <a:latin typeface="Cambria Math" panose="02040503050406030204" pitchFamily="18" charset="0"/>
                             </a:rPr>
-                            <m:t>𝑥</m:t>
+                            <m:t>𝑘</m:t>
                           </m:r>
-                        </m:e>
-                      </m:acc>
-                      <m:r>
-                        <a:rPr lang="nb-NO" sz="1500" i="1" dirty="0">
-                          <a:solidFill>
-                            <a:schemeClr val="tx1"/>
-                          </a:solidFill>
-                          <a:latin typeface="Cambria Math" panose="02040503050406030204" pitchFamily="18" charset="0"/>
-                        </a:rPr>
-                        <m:t>(</m:t>
-                      </m:r>
-                      <m:r>
-                        <a:rPr lang="nb-NO" sz="1500" i="1" dirty="0">
-                          <a:solidFill>
-                            <a:schemeClr val="tx1"/>
-                          </a:solidFill>
-                          <a:latin typeface="Cambria Math" panose="02040503050406030204" pitchFamily="18" charset="0"/>
-                        </a:rPr>
-                        <m:t>𝑘</m:t>
-                      </m:r>
-                      <m:r>
-                        <a:rPr lang="nb-NO" sz="1500" i="1" dirty="0">
-                          <a:solidFill>
-                            <a:schemeClr val="tx1"/>
-                          </a:solidFill>
-                          <a:latin typeface="Cambria Math" panose="02040503050406030204" pitchFamily="18" charset="0"/>
-                        </a:rPr>
-                        <m:t>|</m:t>
-                      </m:r>
-                      <m:r>
-                        <a:rPr lang="nb-NO" sz="1500" i="1" dirty="0">
-                          <a:solidFill>
-                            <a:schemeClr val="tx1"/>
-                          </a:solidFill>
-                          <a:latin typeface="Cambria Math" panose="02040503050406030204" pitchFamily="18" charset="0"/>
-                        </a:rPr>
-                        <m:t>𝑘</m:t>
-                      </m:r>
-                      <m:r>
-                        <a:rPr lang="nb-NO" sz="1500" i="1" dirty="0">
-                          <a:solidFill>
-                            <a:schemeClr val="tx1"/>
-                          </a:solidFill>
-                          <a:latin typeface="Cambria Math" panose="02040503050406030204" pitchFamily="18" charset="0"/>
-                        </a:rPr>
-                        <m:t>)</m:t>
-                      </m:r>
+                          <m:r>
+                            <a:rPr lang="nb-NO" sz="1500" i="1" dirty="0">
+                              <a:solidFill>
+                                <a:schemeClr val="tx1"/>
+                              </a:solidFill>
+                              <a:latin typeface="Cambria Math" panose="02040503050406030204" pitchFamily="18" charset="0"/>
+                            </a:rPr>
+                            <m:t>|</m:t>
+                          </m:r>
+                          <m:r>
+                            <a:rPr lang="nb-NO" sz="1500" i="1" dirty="0">
+                              <a:solidFill>
+                                <a:schemeClr val="tx1"/>
+                              </a:solidFill>
+                              <a:latin typeface="Cambria Math" panose="02040503050406030204" pitchFamily="18" charset="0"/>
+                            </a:rPr>
+                            <m:t>𝑘</m:t>
+                          </m:r>
+                        </m:sub>
+                      </m:sSub>
                     </m:oMath>
                   </m:oMathPara>
                 </a14:m>
@@ -4931,7 +4922,7 @@
             </p:txBody>
           </p:sp>
         </mc:Choice>
-        <mc:Fallback xmlns="">
+        <mc:Fallback>
           <p:sp>
             <p:nvSpPr>
               <p:cNvPr id="42" name="Rounded Rectangle 41"/>
@@ -4975,8 +4966,8 @@
           </p:sp>
         </mc:Fallback>
       </mc:AlternateContent>
-      <mc:AlternateContent xmlns:mc="http://schemas.openxmlformats.org/markup-compatibility/2006" xmlns:a14="http://schemas.microsoft.com/office/drawing/2010/main">
-        <mc:Choice Requires="a14">
+      <mc:AlternateContent xmlns:mc="http://schemas.openxmlformats.org/markup-compatibility/2006">
+        <mc:Choice xmlns:a14="http://schemas.microsoft.com/office/drawing/2010/main" Requires="a14">
           <p:sp>
             <p:nvSpPr>
               <p:cNvPr id="47" name="Rounded Rectangle 46"/>
@@ -5020,7 +5011,7 @@
               <a:p>
                 <a:pPr algn="ctr"/>
                 <a:r>
-                  <a:rPr lang="en-US" sz="1500" dirty="0">
+                  <a:rPr lang="en-US" sz="1500" dirty="0" smtClean="0">
                     <a:solidFill>
                       <a:schemeClr val="tx1"/>
                     </a:solidFill>
@@ -5036,42 +5027,40 @@
                       <m:jc m:val="centerGroup"/>
                     </m:oMathParaPr>
                     <m:oMath xmlns:m="http://schemas.openxmlformats.org/officeDocument/2006/math">
-                      <m:r>
-                        <a:rPr lang="nb-NO" sz="1500" i="1">
-                          <a:solidFill>
-                            <a:schemeClr val="tx1"/>
-                          </a:solidFill>
-                          <a:latin typeface="Cambria Math" panose="02040503050406030204" pitchFamily="18" charset="0"/>
-                        </a:rPr>
-                        <m:t>𝐾</m:t>
-                      </m:r>
-                      <m:r>
-                        <a:rPr lang="nb-NO" sz="1500" i="1">
-                          <a:solidFill>
-                            <a:schemeClr val="tx1"/>
-                          </a:solidFill>
-                          <a:latin typeface="Cambria Math" panose="02040503050406030204" pitchFamily="18" charset="0"/>
-                        </a:rPr>
-                        <m:t>(</m:t>
-                      </m:r>
-                      <m:r>
-                        <a:rPr lang="nb-NO" sz="1500" i="1">
-                          <a:solidFill>
-                            <a:schemeClr val="tx1"/>
-                          </a:solidFill>
-                          <a:latin typeface="Cambria Math" panose="02040503050406030204" pitchFamily="18" charset="0"/>
-                        </a:rPr>
-                        <m:t>𝑘</m:t>
-                      </m:r>
-                      <m:r>
-                        <a:rPr lang="nb-NO" sz="1500" i="1">
-                          <a:solidFill>
-                            <a:schemeClr val="tx1"/>
-                          </a:solidFill>
-                          <a:latin typeface="Cambria Math" panose="02040503050406030204" pitchFamily="18" charset="0"/>
-                        </a:rPr>
-                        <m:t>)</m:t>
-                      </m:r>
+                      <m:sSub>
+                        <m:sSubPr>
+                          <m:ctrlPr>
+                            <a:rPr lang="nb-NO" sz="1500" b="0" i="1" smtClean="0">
+                              <a:solidFill>
+                                <a:schemeClr val="tx1"/>
+                              </a:solidFill>
+                              <a:latin typeface="Cambria Math" panose="02040503050406030204" pitchFamily="18" charset="0"/>
+                            </a:rPr>
+                          </m:ctrlPr>
+                        </m:sSubPr>
+                        <m:e>
+                          <m:r>
+                            <a:rPr lang="nb-NO" sz="1500" i="1">
+                              <a:solidFill>
+                                <a:schemeClr val="tx1"/>
+                              </a:solidFill>
+                              <a:latin typeface="Cambria Math" panose="02040503050406030204" pitchFamily="18" charset="0"/>
+                            </a:rPr>
+                            <m:t>𝐾</m:t>
+                          </m:r>
+                        </m:e>
+                        <m:sub>
+                          <m:r>
+                            <a:rPr lang="nb-NO" sz="1500" b="0" i="1" smtClean="0">
+                              <a:solidFill>
+                                <a:schemeClr val="tx1"/>
+                              </a:solidFill>
+                              <a:latin typeface="Cambria Math" panose="02040503050406030204" pitchFamily="18" charset="0"/>
+                            </a:rPr>
+                            <m:t>𝑘</m:t>
+                          </m:r>
+                        </m:sub>
+                      </m:sSub>
                     </m:oMath>
                   </m:oMathPara>
                 </a14:m>
@@ -5084,7 +5073,7 @@
             </p:txBody>
           </p:sp>
         </mc:Choice>
-        <mc:Fallback xmlns="">
+        <mc:Fallback>
           <p:sp>
             <p:nvSpPr>
               <p:cNvPr id="47" name="Rounded Rectangle 46"/>
@@ -5128,8 +5117,8 @@
           </p:sp>
         </mc:Fallback>
       </mc:AlternateContent>
-      <mc:AlternateContent xmlns:mc="http://schemas.openxmlformats.org/markup-compatibility/2006" xmlns:a14="http://schemas.microsoft.com/office/drawing/2010/main">
-        <mc:Choice Requires="a14">
+      <mc:AlternateContent xmlns:mc="http://schemas.openxmlformats.org/markup-compatibility/2006">
+        <mc:Choice xmlns:a14="http://schemas.microsoft.com/office/drawing/2010/main" Requires="a14">
           <p:sp>
             <p:nvSpPr>
               <p:cNvPr id="48" name="Rounded Rectangle 47"/>
@@ -5173,7 +5162,7 @@
               <a:p>
                 <a:pPr algn="ctr"/>
                 <a:r>
-                  <a:rPr lang="en-US" sz="1500" dirty="0">
+                  <a:rPr lang="en-US" sz="1500" dirty="0" smtClean="0">
                     <a:solidFill>
                       <a:schemeClr val="tx1"/>
                     </a:solidFill>
@@ -5189,57 +5178,55 @@
                       <m:jc m:val="centerGroup"/>
                     </m:oMathParaPr>
                     <m:oMath xmlns:m="http://schemas.openxmlformats.org/officeDocument/2006/math">
-                      <m:acc>
-                        <m:accPr>
-                          <m:chr m:val="̃"/>
+                      <m:sSub>
+                        <m:sSubPr>
                           <m:ctrlPr>
-                            <a:rPr lang="nb-NO" sz="1500" i="1">
+                            <a:rPr lang="nb-NO" sz="1500" b="0" i="1" smtClean="0">
                               <a:solidFill>
                                 <a:schemeClr val="tx1"/>
                               </a:solidFill>
                               <a:latin typeface="Cambria Math" panose="02040503050406030204" pitchFamily="18" charset="0"/>
                             </a:rPr>
                           </m:ctrlPr>
-                        </m:accPr>
+                        </m:sSubPr>
                         <m:e>
+                          <m:acc>
+                            <m:accPr>
+                              <m:chr m:val="̃"/>
+                              <m:ctrlPr>
+                                <a:rPr lang="nb-NO" sz="1500" i="1">
+                                  <a:solidFill>
+                                    <a:schemeClr val="tx1"/>
+                                  </a:solidFill>
+                                  <a:latin typeface="Cambria Math" panose="02040503050406030204" pitchFamily="18" charset="0"/>
+                                </a:rPr>
+                              </m:ctrlPr>
+                            </m:accPr>
+                            <m:e>
+                              <m:r>
+                                <a:rPr lang="nb-NO" sz="1500" i="1">
+                                  <a:solidFill>
+                                    <a:schemeClr val="tx1"/>
+                                  </a:solidFill>
+                                  <a:latin typeface="Cambria Math" panose="02040503050406030204" pitchFamily="18" charset="0"/>
+                                </a:rPr>
+                                <m:t>𝑃</m:t>
+                              </m:r>
+                            </m:e>
+                          </m:acc>
+                        </m:e>
+                        <m:sub>
                           <m:r>
-                            <a:rPr lang="nb-NO" sz="1500" i="1">
+                            <a:rPr lang="nb-NO" sz="1500" b="0" i="1" smtClean="0">
                               <a:solidFill>
                                 <a:schemeClr val="tx1"/>
                               </a:solidFill>
                               <a:latin typeface="Cambria Math" panose="02040503050406030204" pitchFamily="18" charset="0"/>
                             </a:rPr>
-                            <m:t>𝑃</m:t>
+                            <m:t>𝑘</m:t>
                           </m:r>
-                        </m:e>
-                      </m:acc>
-                      <m:r>
-                        <a:rPr lang="nb-NO" sz="1500" i="1" dirty="0">
-                          <a:solidFill>
-                            <a:schemeClr val="tx1"/>
-                          </a:solidFill>
-                          <a:latin typeface="Cambria Math" panose="02040503050406030204" pitchFamily="18" charset="0"/>
-                        </a:rPr>
-                        <m:t>(</m:t>
-                      </m:r>
-                      <m:r>
-                        <a:rPr lang="nb-NO" sz="1500" i="1" dirty="0">
-                          <a:solidFill>
-                            <a:schemeClr val="tx1"/>
-                          </a:solidFill>
-                          <a:latin typeface="Cambria Math" panose="02040503050406030204" pitchFamily="18" charset="0"/>
-                        </a:rPr>
-                        <m:t>𝑘</m:t>
-                      </m:r>
-                      <m:r>
-                        <a:rPr lang="nb-NO" sz="1500" i="1" dirty="0">
-                          <a:solidFill>
-                            <a:schemeClr val="tx1"/>
-                          </a:solidFill>
-                          <a:latin typeface="Cambria Math" panose="02040503050406030204" pitchFamily="18" charset="0"/>
-                        </a:rPr>
-                        <m:t>)</m:t>
-                      </m:r>
+                        </m:sub>
+                      </m:sSub>
                     </m:oMath>
                   </m:oMathPara>
                 </a14:m>
@@ -5252,7 +5239,7 @@
             </p:txBody>
           </p:sp>
         </mc:Choice>
-        <mc:Fallback xmlns="">
+        <mc:Fallback>
           <p:sp>
             <p:nvSpPr>
               <p:cNvPr id="48" name="Rounded Rectangle 47"/>
@@ -5296,8 +5283,8 @@
           </p:sp>
         </mc:Fallback>
       </mc:AlternateContent>
-      <mc:AlternateContent xmlns:mc="http://schemas.openxmlformats.org/markup-compatibility/2006" xmlns:a14="http://schemas.microsoft.com/office/drawing/2010/main">
-        <mc:Choice Requires="a14">
+      <mc:AlternateContent xmlns:mc="http://schemas.openxmlformats.org/markup-compatibility/2006">
+        <mc:Choice xmlns:a14="http://schemas.microsoft.com/office/drawing/2010/main" Requires="a14">
           <p:sp>
             <p:nvSpPr>
               <p:cNvPr id="49" name="Rounded Rectangle 48"/>
@@ -5341,7 +5328,7 @@
               <a:p>
                 <a:pPr algn="ctr"/>
                 <a:r>
-                  <a:rPr lang="en-US" sz="1500" dirty="0">
+                  <a:rPr lang="en-US" sz="1500" dirty="0" smtClean="0">
                     <a:solidFill>
                       <a:schemeClr val="tx1"/>
                     </a:solidFill>
@@ -5357,60 +5344,58 @@
                       <m:jc m:val="centerGroup"/>
                     </m:oMathParaPr>
                     <m:oMath xmlns:m="http://schemas.openxmlformats.org/officeDocument/2006/math">
-                      <m:r>
-                        <a:rPr lang="nb-NO" sz="1500" i="1">
-                          <a:solidFill>
-                            <a:schemeClr val="tx1"/>
-                          </a:solidFill>
-                          <a:latin typeface="Cambria Math" panose="02040503050406030204" pitchFamily="18" charset="0"/>
-                        </a:rPr>
-                        <m:t>𝑃</m:t>
-                      </m:r>
-                      <m:r>
-                        <a:rPr lang="nb-NO" sz="1500" i="1">
-                          <a:solidFill>
-                            <a:schemeClr val="tx1"/>
-                          </a:solidFill>
-                          <a:latin typeface="Cambria Math" panose="02040503050406030204" pitchFamily="18" charset="0"/>
-                        </a:rPr>
-                        <m:t>(</m:t>
-                      </m:r>
-                      <m:r>
-                        <a:rPr lang="nb-NO" sz="1500" i="1">
-                          <a:solidFill>
-                            <a:schemeClr val="tx1"/>
-                          </a:solidFill>
-                          <a:latin typeface="Cambria Math" panose="02040503050406030204" pitchFamily="18" charset="0"/>
-                        </a:rPr>
-                        <m:t>𝑘</m:t>
-                      </m:r>
-                      <m:r>
-                        <a:rPr lang="nb-NO" sz="1500" i="1">
-                          <a:solidFill>
-                            <a:schemeClr val="tx1"/>
-                          </a:solidFill>
-                          <a:latin typeface="Cambria Math" panose="02040503050406030204" pitchFamily="18" charset="0"/>
-                        </a:rPr>
-                        <m:t>|</m:t>
-                      </m:r>
-                      <m:r>
-                        <a:rPr lang="nb-NO" sz="1500" i="1">
-                          <a:solidFill>
-                            <a:schemeClr val="tx1"/>
-                          </a:solidFill>
-                          <a:latin typeface="Cambria Math" panose="02040503050406030204" pitchFamily="18" charset="0"/>
-                        </a:rPr>
-                        <m:t>𝑘</m:t>
-                      </m:r>
-                      <m:r>
-                        <a:rPr lang="nb-NO" sz="1500" i="1">
-                          <a:solidFill>
-                            <a:schemeClr val="tx1"/>
-                          </a:solidFill>
-                          <a:latin typeface="Cambria Math" panose="02040503050406030204" pitchFamily="18" charset="0"/>
-                        </a:rPr>
-                        <m:t>)</m:t>
-                      </m:r>
+                      <m:sSub>
+                        <m:sSubPr>
+                          <m:ctrlPr>
+                            <a:rPr lang="nb-NO" sz="1500" b="0" i="1" smtClean="0">
+                              <a:solidFill>
+                                <a:schemeClr val="tx1"/>
+                              </a:solidFill>
+                              <a:latin typeface="Cambria Math" panose="02040503050406030204" pitchFamily="18" charset="0"/>
+                            </a:rPr>
+                          </m:ctrlPr>
+                        </m:sSubPr>
+                        <m:e>
+                          <m:r>
+                            <a:rPr lang="nb-NO" sz="1500" i="1">
+                              <a:solidFill>
+                                <a:schemeClr val="tx1"/>
+                              </a:solidFill>
+                              <a:latin typeface="Cambria Math" panose="02040503050406030204" pitchFamily="18" charset="0"/>
+                            </a:rPr>
+                            <m:t>𝑃</m:t>
+                          </m:r>
+                        </m:e>
+                        <m:sub>
+                          <m:r>
+                            <a:rPr lang="nb-NO" sz="1500" i="1">
+                              <a:solidFill>
+                                <a:schemeClr val="tx1"/>
+                              </a:solidFill>
+                              <a:latin typeface="Cambria Math" panose="02040503050406030204" pitchFamily="18" charset="0"/>
+                            </a:rPr>
+                            <m:t>𝑘</m:t>
+                          </m:r>
+                          <m:r>
+                            <a:rPr lang="nb-NO" sz="1500" i="1">
+                              <a:solidFill>
+                                <a:schemeClr val="tx1"/>
+                              </a:solidFill>
+                              <a:latin typeface="Cambria Math" panose="02040503050406030204" pitchFamily="18" charset="0"/>
+                            </a:rPr>
+                            <m:t>|</m:t>
+                          </m:r>
+                          <m:r>
+                            <a:rPr lang="nb-NO" sz="1500" i="1">
+                              <a:solidFill>
+                                <a:schemeClr val="tx1"/>
+                              </a:solidFill>
+                              <a:latin typeface="Cambria Math" panose="02040503050406030204" pitchFamily="18" charset="0"/>
+                            </a:rPr>
+                            <m:t>𝑘</m:t>
+                          </m:r>
+                        </m:sub>
+                      </m:sSub>
                     </m:oMath>
                   </m:oMathPara>
                 </a14:m>
@@ -5423,7 +5408,7 @@
             </p:txBody>
           </p:sp>
         </mc:Choice>
-        <mc:Fallback xmlns="">
+        <mc:Fallback>
           <p:sp>
             <p:nvSpPr>
               <p:cNvPr id="49" name="Rounded Rectangle 48"/>
